--- a/DB2 Presentation.pptx
+++ b/DB2 Presentation.pptx
@@ -10,7 +10,7 @@
   <p:sldIdLst>
     <p:sldId id="295" r:id="rId2"/>
     <p:sldId id="261" r:id="rId3"/>
-    <p:sldId id="296" r:id="rId4"/>
+    <p:sldId id="383" r:id="rId4"/>
     <p:sldId id="376" r:id="rId5"/>
     <p:sldId id="378" r:id="rId6"/>
     <p:sldId id="380" r:id="rId7"/>
@@ -4423,7 +4423,7 @@
             </a:pPr>
             <a:fld id="{00000000-1234-1234-1234-123412341234}" type="slidenum">
               <a:rPr lang="en"/>
-              <a:t>‹#›</a:t>
+              <a:t>‹N›</a:t>
             </a:fld>
             <a:endParaRPr/>
           </a:p>
@@ -5021,7 +5021,7 @@
             </a:pPr>
             <a:fld id="{00000000-1234-1234-1234-123412341234}" type="slidenum">
               <a:rPr lang="en"/>
-              <a:t>‹#›</a:t>
+              <a:t>‹N›</a:t>
             </a:fld>
             <a:endParaRPr/>
           </a:p>
@@ -5691,7 +5691,7 @@
             </a:pPr>
             <a:fld id="{00000000-1234-1234-1234-123412341234}" type="slidenum">
               <a:rPr lang="en"/>
-              <a:t>‹#›</a:t>
+              <a:t>‹N›</a:t>
             </a:fld>
             <a:endParaRPr/>
           </a:p>
@@ -9478,392 +9478,6 @@
           </a:p>
         </p:txBody>
       </p:sp>
-      <p:sp>
-        <p:nvSpPr>
-          <p:cNvPr id="33" name="Google Shape;193;p12">
-            <a:extLst>
-              <a:ext uri="{FF2B5EF4-FFF2-40B4-BE49-F238E27FC236}">
-                <a16:creationId xmlns:a16="http://schemas.microsoft.com/office/drawing/2014/main" id="{EBE423DE-994C-4347-AB38-8690C90E2B29}"/>
-              </a:ext>
-            </a:extLst>
-          </p:cNvPr>
-          <p:cNvSpPr txBox="1">
-            <a:spLocks/>
-          </p:cNvSpPr>
-          <p:nvPr/>
-        </p:nvSpPr>
-        <p:spPr>
-          <a:xfrm>
-            <a:off x="252853" y="1705058"/>
-            <a:ext cx="8398800" cy="2377384"/>
-          </a:xfrm>
-          <a:prstGeom prst="rect">
-            <a:avLst/>
-          </a:prstGeom>
-          <a:noFill/>
-          <a:ln>
-            <a:noFill/>
-          </a:ln>
-        </p:spPr>
-        <p:txBody>
-          <a:bodyPr spcFirstLastPara="1" wrap="square" lIns="91425" tIns="91425" rIns="91425" bIns="91425" anchor="ctr" anchorCtr="0">
-            <a:noAutofit/>
-          </a:bodyPr>
-          <a:lstStyle>
-            <a:defPPr marR="0" lvl="0" algn="l" rtl="0">
-              <a:lnSpc>
-                <a:spcPct val="100000"/>
-              </a:lnSpc>
-              <a:spcBef>
-                <a:spcPts val="0"/>
-              </a:spcBef>
-              <a:spcAft>
-                <a:spcPts val="0"/>
-              </a:spcAft>
-            </a:defPPr>
-            <a:lvl1pPr marL="457200" marR="0" lvl="0" indent="-381000" algn="l" rtl="0">
-              <a:lnSpc>
-                <a:spcPct val="100000"/>
-              </a:lnSpc>
-              <a:spcBef>
-                <a:spcPts val="600"/>
-              </a:spcBef>
-              <a:spcAft>
-                <a:spcPts val="0"/>
-              </a:spcAft>
-              <a:buClr>
-                <a:schemeClr val="accent4"/>
-              </a:buClr>
-              <a:buSzPts val="2400"/>
-              <a:buFont typeface="Roboto Condensed Light"/>
-              <a:buChar char="▰"/>
-              <a:defRPr sz="2400" b="0" i="0" u="none" strike="noStrike" cap="none">
-                <a:solidFill>
-                  <a:schemeClr val="dk1"/>
-                </a:solidFill>
-                <a:latin typeface="Roboto Condensed Light"/>
-                <a:ea typeface="Roboto Condensed Light"/>
-                <a:cs typeface="Roboto Condensed Light"/>
-                <a:sym typeface="Roboto Condensed Light"/>
-              </a:defRPr>
-            </a:lvl1pPr>
-            <a:lvl2pPr marL="914400" marR="0" lvl="1" indent="-381000" algn="l" rtl="0">
-              <a:lnSpc>
-                <a:spcPct val="100000"/>
-              </a:lnSpc>
-              <a:spcBef>
-                <a:spcPts val="1000"/>
-              </a:spcBef>
-              <a:spcAft>
-                <a:spcPts val="0"/>
-              </a:spcAft>
-              <a:buClr>
-                <a:schemeClr val="accent4"/>
-              </a:buClr>
-              <a:buSzPts val="2400"/>
-              <a:buFont typeface="Roboto Condensed Light"/>
-              <a:buChar char="▻"/>
-              <a:defRPr sz="2400" b="0" i="0" u="none" strike="noStrike" cap="none">
-                <a:solidFill>
-                  <a:schemeClr val="dk1"/>
-                </a:solidFill>
-                <a:latin typeface="Roboto Condensed Light"/>
-                <a:ea typeface="Roboto Condensed Light"/>
-                <a:cs typeface="Roboto Condensed Light"/>
-                <a:sym typeface="Roboto Condensed Light"/>
-              </a:defRPr>
-            </a:lvl2pPr>
-            <a:lvl3pPr marL="1371600" marR="0" lvl="2" indent="-381000" algn="l" rtl="0">
-              <a:lnSpc>
-                <a:spcPct val="100000"/>
-              </a:lnSpc>
-              <a:spcBef>
-                <a:spcPts val="1000"/>
-              </a:spcBef>
-              <a:spcAft>
-                <a:spcPts val="0"/>
-              </a:spcAft>
-              <a:buClr>
-                <a:schemeClr val="accent4"/>
-              </a:buClr>
-              <a:buSzPts val="2400"/>
-              <a:buFont typeface="Roboto Condensed Light"/>
-              <a:buChar char="▻"/>
-              <a:defRPr sz="2400" b="0" i="0" u="none" strike="noStrike" cap="none">
-                <a:solidFill>
-                  <a:schemeClr val="dk1"/>
-                </a:solidFill>
-                <a:latin typeface="Roboto Condensed Light"/>
-                <a:ea typeface="Roboto Condensed Light"/>
-                <a:cs typeface="Roboto Condensed Light"/>
-                <a:sym typeface="Roboto Condensed Light"/>
-              </a:defRPr>
-            </a:lvl3pPr>
-            <a:lvl4pPr marL="1828800" marR="0" lvl="3" indent="-381000" algn="l" rtl="0">
-              <a:lnSpc>
-                <a:spcPct val="100000"/>
-              </a:lnSpc>
-              <a:spcBef>
-                <a:spcPts val="1000"/>
-              </a:spcBef>
-              <a:spcAft>
-                <a:spcPts val="0"/>
-              </a:spcAft>
-              <a:buClr>
-                <a:schemeClr val="accent4"/>
-              </a:buClr>
-              <a:buSzPts val="2400"/>
-              <a:buFont typeface="Roboto Condensed Light"/>
-              <a:buChar char="▻"/>
-              <a:defRPr sz="2400" b="0" i="0" u="none" strike="noStrike" cap="none">
-                <a:solidFill>
-                  <a:schemeClr val="dk1"/>
-                </a:solidFill>
-                <a:latin typeface="Roboto Condensed Light"/>
-                <a:ea typeface="Roboto Condensed Light"/>
-                <a:cs typeface="Roboto Condensed Light"/>
-                <a:sym typeface="Roboto Condensed Light"/>
-              </a:defRPr>
-            </a:lvl4pPr>
-            <a:lvl5pPr marL="2286000" marR="0" lvl="4" indent="-381000" algn="l" rtl="0">
-              <a:lnSpc>
-                <a:spcPct val="100000"/>
-              </a:lnSpc>
-              <a:spcBef>
-                <a:spcPts val="1000"/>
-              </a:spcBef>
-              <a:spcAft>
-                <a:spcPts val="0"/>
-              </a:spcAft>
-              <a:buClr>
-                <a:schemeClr val="accent4"/>
-              </a:buClr>
-              <a:buSzPts val="2400"/>
-              <a:buFont typeface="Roboto Condensed Light"/>
-              <a:buChar char="▻"/>
-              <a:defRPr sz="2400" b="0" i="0" u="none" strike="noStrike" cap="none">
-                <a:solidFill>
-                  <a:schemeClr val="dk1"/>
-                </a:solidFill>
-                <a:latin typeface="Roboto Condensed Light"/>
-                <a:ea typeface="Roboto Condensed Light"/>
-                <a:cs typeface="Roboto Condensed Light"/>
-                <a:sym typeface="Roboto Condensed Light"/>
-              </a:defRPr>
-            </a:lvl5pPr>
-            <a:lvl6pPr marL="2743200" marR="0" lvl="5" indent="-381000" algn="l" rtl="0">
-              <a:lnSpc>
-                <a:spcPct val="100000"/>
-              </a:lnSpc>
-              <a:spcBef>
-                <a:spcPts val="1000"/>
-              </a:spcBef>
-              <a:spcAft>
-                <a:spcPts val="0"/>
-              </a:spcAft>
-              <a:buClr>
-                <a:schemeClr val="accent4"/>
-              </a:buClr>
-              <a:buSzPts val="2400"/>
-              <a:buFont typeface="Roboto Condensed Light"/>
-              <a:buChar char="▻"/>
-              <a:defRPr sz="2400" b="0" i="0" u="none" strike="noStrike" cap="none">
-                <a:solidFill>
-                  <a:schemeClr val="dk1"/>
-                </a:solidFill>
-                <a:latin typeface="Roboto Condensed Light"/>
-                <a:ea typeface="Roboto Condensed Light"/>
-                <a:cs typeface="Roboto Condensed Light"/>
-                <a:sym typeface="Roboto Condensed Light"/>
-              </a:defRPr>
-            </a:lvl6pPr>
-            <a:lvl7pPr marL="3200400" marR="0" lvl="6" indent="-381000" algn="l" rtl="0">
-              <a:lnSpc>
-                <a:spcPct val="100000"/>
-              </a:lnSpc>
-              <a:spcBef>
-                <a:spcPts val="1000"/>
-              </a:spcBef>
-              <a:spcAft>
-                <a:spcPts val="0"/>
-              </a:spcAft>
-              <a:buClr>
-                <a:schemeClr val="accent4"/>
-              </a:buClr>
-              <a:buSzPts val="2400"/>
-              <a:buFont typeface="Roboto Condensed Light"/>
-              <a:buChar char="▻"/>
-              <a:defRPr sz="2400" b="0" i="0" u="none" strike="noStrike" cap="none">
-                <a:solidFill>
-                  <a:schemeClr val="dk1"/>
-                </a:solidFill>
-                <a:latin typeface="Roboto Condensed Light"/>
-                <a:ea typeface="Roboto Condensed Light"/>
-                <a:cs typeface="Roboto Condensed Light"/>
-                <a:sym typeface="Roboto Condensed Light"/>
-              </a:defRPr>
-            </a:lvl7pPr>
-            <a:lvl8pPr marL="3657600" marR="0" lvl="7" indent="-381000" algn="l" rtl="0">
-              <a:lnSpc>
-                <a:spcPct val="100000"/>
-              </a:lnSpc>
-              <a:spcBef>
-                <a:spcPts val="1000"/>
-              </a:spcBef>
-              <a:spcAft>
-                <a:spcPts val="0"/>
-              </a:spcAft>
-              <a:buClr>
-                <a:schemeClr val="accent4"/>
-              </a:buClr>
-              <a:buSzPts val="2400"/>
-              <a:buFont typeface="Roboto Condensed Light"/>
-              <a:buChar char="▻"/>
-              <a:defRPr sz="2400" b="0" i="0" u="none" strike="noStrike" cap="none">
-                <a:solidFill>
-                  <a:schemeClr val="dk1"/>
-                </a:solidFill>
-                <a:latin typeface="Roboto Condensed Light"/>
-                <a:ea typeface="Roboto Condensed Light"/>
-                <a:cs typeface="Roboto Condensed Light"/>
-                <a:sym typeface="Roboto Condensed Light"/>
-              </a:defRPr>
-            </a:lvl8pPr>
-            <a:lvl9pPr marL="4114800" marR="0" lvl="8" indent="-381000" algn="l" rtl="0">
-              <a:lnSpc>
-                <a:spcPct val="100000"/>
-              </a:lnSpc>
-              <a:spcBef>
-                <a:spcPts val="1000"/>
-              </a:spcBef>
-              <a:spcAft>
-                <a:spcPts val="1000"/>
-              </a:spcAft>
-              <a:buClr>
-                <a:schemeClr val="accent4"/>
-              </a:buClr>
-              <a:buSzPts val="2400"/>
-              <a:buFont typeface="Roboto Condensed Light"/>
-              <a:buChar char="▻"/>
-              <a:defRPr sz="2400" b="0" i="0" u="none" strike="noStrike" cap="none">
-                <a:solidFill>
-                  <a:schemeClr val="dk1"/>
-                </a:solidFill>
-                <a:latin typeface="Roboto Condensed Light"/>
-                <a:ea typeface="Roboto Condensed Light"/>
-                <a:cs typeface="Roboto Condensed Light"/>
-                <a:sym typeface="Roboto Condensed Light"/>
-              </a:defRPr>
-            </a:lvl9pPr>
-          </a:lstStyle>
-          <a:p>
-            <a:pPr marL="76200" indent="0">
-              <a:spcBef>
-                <a:spcPts val="1200"/>
-              </a:spcBef>
-              <a:buSzPct val="120000"/>
-              <a:buNone/>
-            </a:pPr>
-            <a:r>
-              <a:rPr lang="en-GB" sz="1600" b="1" noProof="1">
-                <a:solidFill>
-                  <a:srgbClr val="FF9800"/>
-                </a:solidFill>
-                <a:latin typeface="Roboto Condensed" panose="02000000000000000000" pitchFamily="2" charset="0"/>
-                <a:ea typeface="Roboto Condensed" panose="02000000000000000000" pitchFamily="2" charset="0"/>
-                <a:cs typeface="Arial"/>
-                <a:sym typeface="Arial"/>
-              </a:rPr>
-              <a:t>FILTERS</a:t>
-            </a:r>
-          </a:p>
-          <a:p>
-            <a:pPr>
-              <a:spcBef>
-                <a:spcPts val="1200"/>
-              </a:spcBef>
-              <a:buSzPct val="120000"/>
-            </a:pPr>
-            <a:r>
-              <a:rPr lang="en-GB" sz="1500" noProof="1">
-                <a:latin typeface="Roboto Mono" pitchFamily="49" charset="0"/>
-                <a:ea typeface="Roboto Mono" pitchFamily="49" charset="0"/>
-                <a:cs typeface="Courier New" panose="02070309020205020404" pitchFamily="49" charset="0"/>
-              </a:rPr>
-              <a:t>CheckAdminPrivileges</a:t>
-            </a:r>
-            <a:r>
-              <a:rPr lang="en-GB" sz="1500" noProof="1"/>
-              <a:t>: checks if the logged user is an admin.</a:t>
-            </a:r>
-            <a:br>
-              <a:rPr lang="en-GB" sz="1500" noProof="1"/>
-            </a:br>
-            <a:r>
-              <a:rPr lang="en-GB" sz="1500" noProof="1"/>
-              <a:t>It applies to all the admin pages</a:t>
-            </a:r>
-            <a:endParaRPr lang="en-GB" sz="1500" noProof="1">
-              <a:latin typeface="Courier New" panose="02070309020205020404" pitchFamily="49" charset="0"/>
-              <a:cs typeface="Courier New" panose="02070309020205020404" pitchFamily="49" charset="0"/>
-            </a:endParaRPr>
-          </a:p>
-          <a:p>
-            <a:pPr>
-              <a:spcBef>
-                <a:spcPts val="1200"/>
-              </a:spcBef>
-              <a:buSzPct val="120000"/>
-            </a:pPr>
-            <a:r>
-              <a:rPr lang="en-GB" sz="1500" noProof="1">
-                <a:latin typeface="Roboto Mono" pitchFamily="49" charset="0"/>
-                <a:ea typeface="Roboto Mono" pitchFamily="49" charset="0"/>
-                <a:cs typeface="Courier New" panose="02070309020205020404" pitchFamily="49" charset="0"/>
-              </a:rPr>
-              <a:t>CheckUserPrivileges</a:t>
-            </a:r>
-            <a:r>
-              <a:rPr lang="en-GB" sz="1500" noProof="1"/>
-              <a:t>: checks if the logged user is a normal user (i.e., not an admin).</a:t>
-            </a:r>
-            <a:br>
-              <a:rPr lang="en-GB" sz="1500" noProof="1"/>
-            </a:br>
-            <a:r>
-              <a:rPr lang="en-GB" sz="1500" noProof="1"/>
-              <a:t>It applies to all the user pages </a:t>
-            </a:r>
-          </a:p>
-          <a:p>
-            <a:pPr>
-              <a:spcBef>
-                <a:spcPts val="1200"/>
-              </a:spcBef>
-              <a:buSzPct val="120000"/>
-            </a:pPr>
-            <a:r>
-              <a:rPr lang="en-GB" sz="1500" noProof="1">
-                <a:latin typeface="Roboto Mono" pitchFamily="49" charset="0"/>
-                <a:ea typeface="Roboto Mono" pitchFamily="49" charset="0"/>
-                <a:cs typeface="Courier New" panose="02070309020205020404" pitchFamily="49" charset="0"/>
-              </a:rPr>
-              <a:t>LoginFilter</a:t>
-            </a:r>
-            <a:r>
-              <a:rPr lang="en-GB" sz="1500" noProof="1"/>
-              <a:t>: checks if an user has logged in.</a:t>
-            </a:r>
-            <a:br>
-              <a:rPr lang="en-GB" sz="1500" noProof="1"/>
-            </a:br>
-            <a:r>
-              <a:rPr lang="en-GB" sz="1500" noProof="1"/>
-              <a:t>Applies to all the pages with the exception of the login page</a:t>
-            </a:r>
-          </a:p>
-        </p:txBody>
-      </p:sp>
       <p:grpSp>
         <p:nvGrpSpPr>
           <p:cNvPr id="25" name="Google Shape;1664;p47">
@@ -10799,6 +10413,369 @@
           </p:txBody>
         </p:sp>
       </p:grpSp>
+      <p:sp>
+        <p:nvSpPr>
+          <p:cNvPr id="12" name="Google Shape;193;p12">
+            <a:extLst>
+              <a:ext uri="{FF2B5EF4-FFF2-40B4-BE49-F238E27FC236}">
+                <a16:creationId xmlns:a16="http://schemas.microsoft.com/office/drawing/2014/main" id="{BA91AD88-1B65-8340-A8C6-3854B977B238}"/>
+              </a:ext>
+            </a:extLst>
+          </p:cNvPr>
+          <p:cNvSpPr txBox="1">
+            <a:spLocks/>
+          </p:cNvSpPr>
+          <p:nvPr/>
+        </p:nvSpPr>
+        <p:spPr>
+          <a:xfrm>
+            <a:off x="261206" y="1582089"/>
+            <a:ext cx="8398800" cy="1979322"/>
+          </a:xfrm>
+          <a:prstGeom prst="rect">
+            <a:avLst/>
+          </a:prstGeom>
+          <a:noFill/>
+          <a:ln>
+            <a:noFill/>
+          </a:ln>
+        </p:spPr>
+        <p:txBody>
+          <a:bodyPr spcFirstLastPara="1" wrap="square" lIns="91425" tIns="91425" rIns="91425" bIns="91425" anchor="ctr" anchorCtr="0">
+            <a:noAutofit/>
+          </a:bodyPr>
+          <a:lstStyle>
+            <a:defPPr marR="0" lvl="0" algn="l" rtl="0">
+              <a:lnSpc>
+                <a:spcPct val="100000"/>
+              </a:lnSpc>
+              <a:spcBef>
+                <a:spcPts val="0"/>
+              </a:spcBef>
+              <a:spcAft>
+                <a:spcPts val="0"/>
+              </a:spcAft>
+            </a:defPPr>
+            <a:lvl1pPr marL="457200" marR="0" lvl="0" indent="-381000" algn="l" rtl="0">
+              <a:lnSpc>
+                <a:spcPct val="100000"/>
+              </a:lnSpc>
+              <a:spcBef>
+                <a:spcPts val="600"/>
+              </a:spcBef>
+              <a:spcAft>
+                <a:spcPts val="0"/>
+              </a:spcAft>
+              <a:buClr>
+                <a:schemeClr val="accent4"/>
+              </a:buClr>
+              <a:buSzPts val="2400"/>
+              <a:buFont typeface="Roboto Condensed Light"/>
+              <a:buChar char="▰"/>
+              <a:defRPr sz="2400" b="0" i="0" u="none" strike="noStrike" cap="none">
+                <a:solidFill>
+                  <a:schemeClr val="dk1"/>
+                </a:solidFill>
+                <a:latin typeface="Roboto Condensed Light"/>
+                <a:ea typeface="Roboto Condensed Light"/>
+                <a:cs typeface="Roboto Condensed Light"/>
+                <a:sym typeface="Roboto Condensed Light"/>
+              </a:defRPr>
+            </a:lvl1pPr>
+            <a:lvl2pPr marL="914400" marR="0" lvl="1" indent="-381000" algn="l" rtl="0">
+              <a:lnSpc>
+                <a:spcPct val="100000"/>
+              </a:lnSpc>
+              <a:spcBef>
+                <a:spcPts val="1000"/>
+              </a:spcBef>
+              <a:spcAft>
+                <a:spcPts val="0"/>
+              </a:spcAft>
+              <a:buClr>
+                <a:schemeClr val="accent4"/>
+              </a:buClr>
+              <a:buSzPts val="2400"/>
+              <a:buFont typeface="Roboto Condensed Light"/>
+              <a:buChar char="▻"/>
+              <a:defRPr sz="2400" b="0" i="0" u="none" strike="noStrike" cap="none">
+                <a:solidFill>
+                  <a:schemeClr val="dk1"/>
+                </a:solidFill>
+                <a:latin typeface="Roboto Condensed Light"/>
+                <a:ea typeface="Roboto Condensed Light"/>
+                <a:cs typeface="Roboto Condensed Light"/>
+                <a:sym typeface="Roboto Condensed Light"/>
+              </a:defRPr>
+            </a:lvl2pPr>
+            <a:lvl3pPr marL="1371600" marR="0" lvl="2" indent="-381000" algn="l" rtl="0">
+              <a:lnSpc>
+                <a:spcPct val="100000"/>
+              </a:lnSpc>
+              <a:spcBef>
+                <a:spcPts val="1000"/>
+              </a:spcBef>
+              <a:spcAft>
+                <a:spcPts val="0"/>
+              </a:spcAft>
+              <a:buClr>
+                <a:schemeClr val="accent4"/>
+              </a:buClr>
+              <a:buSzPts val="2400"/>
+              <a:buFont typeface="Roboto Condensed Light"/>
+              <a:buChar char="▻"/>
+              <a:defRPr sz="2400" b="0" i="0" u="none" strike="noStrike" cap="none">
+                <a:solidFill>
+                  <a:schemeClr val="dk1"/>
+                </a:solidFill>
+                <a:latin typeface="Roboto Condensed Light"/>
+                <a:ea typeface="Roboto Condensed Light"/>
+                <a:cs typeface="Roboto Condensed Light"/>
+                <a:sym typeface="Roboto Condensed Light"/>
+              </a:defRPr>
+            </a:lvl3pPr>
+            <a:lvl4pPr marL="1828800" marR="0" lvl="3" indent="-381000" algn="l" rtl="0">
+              <a:lnSpc>
+                <a:spcPct val="100000"/>
+              </a:lnSpc>
+              <a:spcBef>
+                <a:spcPts val="1000"/>
+              </a:spcBef>
+              <a:spcAft>
+                <a:spcPts val="0"/>
+              </a:spcAft>
+              <a:buClr>
+                <a:schemeClr val="accent4"/>
+              </a:buClr>
+              <a:buSzPts val="2400"/>
+              <a:buFont typeface="Roboto Condensed Light"/>
+              <a:buChar char="▻"/>
+              <a:defRPr sz="2400" b="0" i="0" u="none" strike="noStrike" cap="none">
+                <a:solidFill>
+                  <a:schemeClr val="dk1"/>
+                </a:solidFill>
+                <a:latin typeface="Roboto Condensed Light"/>
+                <a:ea typeface="Roboto Condensed Light"/>
+                <a:cs typeface="Roboto Condensed Light"/>
+                <a:sym typeface="Roboto Condensed Light"/>
+              </a:defRPr>
+            </a:lvl4pPr>
+            <a:lvl5pPr marL="2286000" marR="0" lvl="4" indent="-381000" algn="l" rtl="0">
+              <a:lnSpc>
+                <a:spcPct val="100000"/>
+              </a:lnSpc>
+              <a:spcBef>
+                <a:spcPts val="1000"/>
+              </a:spcBef>
+              <a:spcAft>
+                <a:spcPts val="0"/>
+              </a:spcAft>
+              <a:buClr>
+                <a:schemeClr val="accent4"/>
+              </a:buClr>
+              <a:buSzPts val="2400"/>
+              <a:buFont typeface="Roboto Condensed Light"/>
+              <a:buChar char="▻"/>
+              <a:defRPr sz="2400" b="0" i="0" u="none" strike="noStrike" cap="none">
+                <a:solidFill>
+                  <a:schemeClr val="dk1"/>
+                </a:solidFill>
+                <a:latin typeface="Roboto Condensed Light"/>
+                <a:ea typeface="Roboto Condensed Light"/>
+                <a:cs typeface="Roboto Condensed Light"/>
+                <a:sym typeface="Roboto Condensed Light"/>
+              </a:defRPr>
+            </a:lvl5pPr>
+            <a:lvl6pPr marL="2743200" marR="0" lvl="5" indent="-381000" algn="l" rtl="0">
+              <a:lnSpc>
+                <a:spcPct val="100000"/>
+              </a:lnSpc>
+              <a:spcBef>
+                <a:spcPts val="1000"/>
+              </a:spcBef>
+              <a:spcAft>
+                <a:spcPts val="0"/>
+              </a:spcAft>
+              <a:buClr>
+                <a:schemeClr val="accent4"/>
+              </a:buClr>
+              <a:buSzPts val="2400"/>
+              <a:buFont typeface="Roboto Condensed Light"/>
+              <a:buChar char="▻"/>
+              <a:defRPr sz="2400" b="0" i="0" u="none" strike="noStrike" cap="none">
+                <a:solidFill>
+                  <a:schemeClr val="dk1"/>
+                </a:solidFill>
+                <a:latin typeface="Roboto Condensed Light"/>
+                <a:ea typeface="Roboto Condensed Light"/>
+                <a:cs typeface="Roboto Condensed Light"/>
+                <a:sym typeface="Roboto Condensed Light"/>
+              </a:defRPr>
+            </a:lvl6pPr>
+            <a:lvl7pPr marL="3200400" marR="0" lvl="6" indent="-381000" algn="l" rtl="0">
+              <a:lnSpc>
+                <a:spcPct val="100000"/>
+              </a:lnSpc>
+              <a:spcBef>
+                <a:spcPts val="1000"/>
+              </a:spcBef>
+              <a:spcAft>
+                <a:spcPts val="0"/>
+              </a:spcAft>
+              <a:buClr>
+                <a:schemeClr val="accent4"/>
+              </a:buClr>
+              <a:buSzPts val="2400"/>
+              <a:buFont typeface="Roboto Condensed Light"/>
+              <a:buChar char="▻"/>
+              <a:defRPr sz="2400" b="0" i="0" u="none" strike="noStrike" cap="none">
+                <a:solidFill>
+                  <a:schemeClr val="dk1"/>
+                </a:solidFill>
+                <a:latin typeface="Roboto Condensed Light"/>
+                <a:ea typeface="Roboto Condensed Light"/>
+                <a:cs typeface="Roboto Condensed Light"/>
+                <a:sym typeface="Roboto Condensed Light"/>
+              </a:defRPr>
+            </a:lvl7pPr>
+            <a:lvl8pPr marL="3657600" marR="0" lvl="7" indent="-381000" algn="l" rtl="0">
+              <a:lnSpc>
+                <a:spcPct val="100000"/>
+              </a:lnSpc>
+              <a:spcBef>
+                <a:spcPts val="1000"/>
+              </a:spcBef>
+              <a:spcAft>
+                <a:spcPts val="0"/>
+              </a:spcAft>
+              <a:buClr>
+                <a:schemeClr val="accent4"/>
+              </a:buClr>
+              <a:buSzPts val="2400"/>
+              <a:buFont typeface="Roboto Condensed Light"/>
+              <a:buChar char="▻"/>
+              <a:defRPr sz="2400" b="0" i="0" u="none" strike="noStrike" cap="none">
+                <a:solidFill>
+                  <a:schemeClr val="dk1"/>
+                </a:solidFill>
+                <a:latin typeface="Roboto Condensed Light"/>
+                <a:ea typeface="Roboto Condensed Light"/>
+                <a:cs typeface="Roboto Condensed Light"/>
+                <a:sym typeface="Roboto Condensed Light"/>
+              </a:defRPr>
+            </a:lvl8pPr>
+            <a:lvl9pPr marL="4114800" marR="0" lvl="8" indent="-381000" algn="l" rtl="0">
+              <a:lnSpc>
+                <a:spcPct val="100000"/>
+              </a:lnSpc>
+              <a:spcBef>
+                <a:spcPts val="1000"/>
+              </a:spcBef>
+              <a:spcAft>
+                <a:spcPts val="1000"/>
+              </a:spcAft>
+              <a:buClr>
+                <a:schemeClr val="accent4"/>
+              </a:buClr>
+              <a:buSzPts val="2400"/>
+              <a:buFont typeface="Roboto Condensed Light"/>
+              <a:buChar char="▻"/>
+              <a:defRPr sz="2400" b="0" i="0" u="none" strike="noStrike" cap="none">
+                <a:solidFill>
+                  <a:schemeClr val="dk1"/>
+                </a:solidFill>
+                <a:latin typeface="Roboto Condensed Light"/>
+                <a:ea typeface="Roboto Condensed Light"/>
+                <a:cs typeface="Roboto Condensed Light"/>
+                <a:sym typeface="Roboto Condensed Light"/>
+              </a:defRPr>
+            </a:lvl9pPr>
+          </a:lstStyle>
+          <a:p>
+            <a:pPr marL="76200" indent="0">
+              <a:spcBef>
+                <a:spcPts val="1200"/>
+              </a:spcBef>
+              <a:buSzPct val="120000"/>
+              <a:buNone/>
+            </a:pPr>
+            <a:r>
+              <a:rPr lang="en-GB" sz="1600" b="1" noProof="1">
+                <a:solidFill>
+                  <a:srgbClr val="FF9800"/>
+                </a:solidFill>
+                <a:latin typeface="Roboto Condensed" panose="02000000000000000000" pitchFamily="2" charset="0"/>
+                <a:ea typeface="Roboto Condensed" panose="02000000000000000000" pitchFamily="2" charset="0"/>
+                <a:cs typeface="Arial"/>
+              </a:rPr>
+              <a:t>FILTERS</a:t>
+            </a:r>
+            <a:endParaRPr lang="en-GB" sz="1500" noProof="1">
+              <a:latin typeface="Roboto Mono" pitchFamily="49" charset="0"/>
+              <a:ea typeface="Roboto Mono" pitchFamily="49" charset="0"/>
+              <a:cs typeface="Courier New" panose="02070309020205020404" pitchFamily="49" charset="0"/>
+            </a:endParaRPr>
+          </a:p>
+          <a:p>
+            <a:pPr>
+              <a:spcBef>
+                <a:spcPts val="1200"/>
+              </a:spcBef>
+              <a:buSzPct val="120000"/>
+            </a:pPr>
+            <a:r>
+              <a:rPr lang="en-GB" sz="1500" noProof="1">
+                <a:latin typeface="Roboto Mono" pitchFamily="49" charset="0"/>
+                <a:ea typeface="Roboto Mono" pitchFamily="49" charset="0"/>
+                <a:cs typeface="Courier New" panose="02070309020205020404" pitchFamily="49" charset="0"/>
+              </a:rPr>
+              <a:t>CheckAdminPrivileges</a:t>
+            </a:r>
+            <a:r>
+              <a:rPr lang="en-GB" sz="1500" noProof="1"/>
+              <a:t>: checks if the logged user (if any) is an admin.</a:t>
+            </a:r>
+            <a:br>
+              <a:rPr lang="en-GB" sz="1500" noProof="1"/>
+            </a:br>
+            <a:r>
+              <a:rPr lang="en-GB" sz="1500" noProof="1"/>
+              <a:t>It applies to all the admin pages</a:t>
+            </a:r>
+            <a:endParaRPr lang="en-GB" sz="1500" noProof="1">
+              <a:latin typeface="Courier New" panose="02070309020205020404" pitchFamily="49" charset="0"/>
+              <a:cs typeface="Courier New" panose="02070309020205020404" pitchFamily="49" charset="0"/>
+            </a:endParaRPr>
+          </a:p>
+          <a:p>
+            <a:pPr>
+              <a:spcBef>
+                <a:spcPts val="1200"/>
+              </a:spcBef>
+              <a:buSzPct val="120000"/>
+            </a:pPr>
+            <a:r>
+              <a:rPr lang="en-GB" sz="1500" noProof="1">
+                <a:latin typeface="Roboto Mono" pitchFamily="49" charset="0"/>
+                <a:ea typeface="Roboto Mono" pitchFamily="49" charset="0"/>
+                <a:cs typeface="Courier New" panose="02070309020205020404" pitchFamily="49" charset="0"/>
+              </a:rPr>
+              <a:t>CheckUserPrivileges</a:t>
+            </a:r>
+            <a:r>
+              <a:rPr lang="en-GB" sz="1500" noProof="1"/>
+              <a:t>: checks if the logged user (if any) is a visitor (i.e., not an admin).</a:t>
+            </a:r>
+            <a:br>
+              <a:rPr lang="en-GB" sz="1500" noProof="1"/>
+            </a:br>
+            <a:r>
+              <a:rPr lang="en-GB" sz="1500" noProof="1"/>
+              <a:t>It applies to all the user pages</a:t>
+            </a:r>
+          </a:p>
+        </p:txBody>
+      </p:sp>
     </p:spTree>
     <p:extLst>
       <p:ext uri="{BB962C8B-B14F-4D97-AF65-F5344CB8AC3E}">
@@ -10931,7 +10908,7 @@
         </p:nvSpPr>
         <p:spPr>
           <a:xfrm>
-            <a:off x="252853" y="1705058"/>
+            <a:off x="252853" y="1662328"/>
             <a:ext cx="8398800" cy="2229376"/>
           </a:xfrm>
           <a:prstGeom prst="rect">
@@ -17556,10 +17533,10 @@
       </p:grpSp>
       <p:pic>
         <p:nvPicPr>
-          <p:cNvPr id="26" name="Picture 25" descr="A picture containing text, blackboard&#10;&#10;Description automatically generated">
+          <p:cNvPr id="25" name="Immagine 24">
             <a:extLst>
               <a:ext uri="{FF2B5EF4-FFF2-40B4-BE49-F238E27FC236}">
-                <a16:creationId xmlns:a16="http://schemas.microsoft.com/office/drawing/2014/main" id="{B4236B70-9F33-2445-99C8-0673806B6C24}"/>
+                <a16:creationId xmlns:a16="http://schemas.microsoft.com/office/drawing/2014/main" id="{6603AC01-09C6-544D-9CED-D8A0D7CAAA9C}"/>
               </a:ext>
             </a:extLst>
           </p:cNvPr>
@@ -17576,8 +17553,8 @@
         </p:blipFill>
         <p:spPr>
           <a:xfrm>
-            <a:off x="769305" y="1083824"/>
-            <a:ext cx="6848695" cy="4077849"/>
+            <a:off x="380969" y="1140688"/>
+            <a:ext cx="6823139" cy="4062633"/>
           </a:xfrm>
           <a:prstGeom prst="rect">
             <a:avLst/>
@@ -20227,7 +20204,7 @@
                   <a:latin typeface="Roboto Mono Light" pitchFamily="49" charset="0"/>
                   <a:ea typeface="Roboto Mono Light" pitchFamily="49" charset="0"/>
                 </a:rPr>
-                <a:t>Mquestion</a:t>
+                <a:t>mquestion</a:t>
               </a:r>
               <a:r>
                 <a:rPr lang="en-GB" sz="1200" dirty="0">
@@ -20292,7 +20269,7 @@
                   <a:latin typeface="Roboto Mono Light" pitchFamily="49" charset="0"/>
                   <a:ea typeface="Roboto Mono Light" pitchFamily="49" charset="0"/>
                 </a:rPr>
-                <a:t>Manswer</a:t>
+                <a:t>manswer</a:t>
               </a:r>
               <a:r>
                 <a:rPr lang="en-GB" sz="1200" dirty="0">
@@ -20313,7 +20290,21 @@
                   <a:latin typeface="Roboto Mono Light" pitchFamily="49" charset="0"/>
                   <a:ea typeface="Roboto Mono Light" pitchFamily="49" charset="0"/>
                 </a:rPr>
-                <a:t>, review, </a:t>
+                <a:t>, </a:t>
+              </a:r>
+              <a:r>
+                <a:rPr lang="en-GB" sz="1200" i="1" dirty="0">
+                  <a:latin typeface="Roboto Mono Light" pitchFamily="49" charset="0"/>
+                  <a:ea typeface="Roboto Mono Light" pitchFamily="49" charset="0"/>
+                </a:rPr>
+                <a:t>review</a:t>
+              </a:r>
+              <a:r>
+                <a:rPr lang="en-GB" sz="1200" dirty="0">
+                  <a:latin typeface="Roboto Mono Light" pitchFamily="49" charset="0"/>
+                  <a:ea typeface="Roboto Mono Light" pitchFamily="49" charset="0"/>
+                </a:rPr>
+                <a:t>, </a:t>
               </a:r>
               <a:r>
                 <a:rPr lang="en-GB" sz="1200" i="1" dirty="0">
@@ -20688,7 +20679,7 @@
     </p:spTree>
     <p:extLst>
       <p:ext uri="{BB962C8B-B14F-4D97-AF65-F5344CB8AC3E}">
-        <p14:creationId xmlns:p14="http://schemas.microsoft.com/office/powerpoint/2010/main" val="1640462104"/>
+        <p14:creationId xmlns:p14="http://schemas.microsoft.com/office/powerpoint/2010/main" val="3295005392"/>
       </p:ext>
     </p:extLst>
   </p:cSld>

--- a/DB2 Presentation.pptx
+++ b/DB2 Presentation.pptx
@@ -1125,6 +1125,19 @@
               </a:spcAft>
               <a:buNone/>
             </a:pPr>
+            <a:r>
+              <a:rPr lang="en-GB" sz="1100" b="0" i="0" u="none" strike="noStrike" cap="none" dirty="0">
+                <a:solidFill>
+                  <a:srgbClr val="000000"/>
+                </a:solidFill>
+                <a:effectLst/>
+                <a:latin typeface="Arial"/>
+                <a:ea typeface="Arial"/>
+                <a:cs typeface="Arial"/>
+                <a:sym typeface="Arial"/>
+              </a:rPr>
+              <a:t>A filter is an object that performs filtering tasks on either the request to a resource (a servlet or static content), or on the response from a resource, or both.</a:t>
+            </a:r>
             <a:endParaRPr dirty="0"/>
           </a:p>
         </p:txBody>
@@ -4423,7 +4436,7 @@
             </a:pPr>
             <a:fld id="{00000000-1234-1234-1234-123412341234}" type="slidenum">
               <a:rPr lang="en"/>
-              <a:t>‹N›</a:t>
+              <a:t>‹#›</a:t>
             </a:fld>
             <a:endParaRPr/>
           </a:p>
@@ -5021,7 +5034,7 @@
             </a:pPr>
             <a:fld id="{00000000-1234-1234-1234-123412341234}" type="slidenum">
               <a:rPr lang="en"/>
-              <a:t>‹N›</a:t>
+              <a:t>‹#›</a:t>
             </a:fld>
             <a:endParaRPr/>
           </a:p>
@@ -5691,7 +5704,7 @@
             </a:pPr>
             <a:fld id="{00000000-1234-1234-1234-123412341234}" type="slidenum">
               <a:rPr lang="en"/>
-              <a:t>‹N›</a:t>
+              <a:t>‹#›</a:t>
             </a:fld>
             <a:endParaRPr/>
           </a:p>
@@ -14474,7 +14487,7 @@
             </a:pPr>
             <a:r>
               <a:rPr lang="en" dirty="0"/>
-              <a:t>Views: user</a:t>
+              <a:t>Views</a:t>
             </a:r>
             <a:endParaRPr dirty="0"/>
           </a:p>
@@ -14540,8 +14553,8 @@
         </p:nvSpPr>
         <p:spPr>
           <a:xfrm>
-            <a:off x="61388" y="1468727"/>
-            <a:ext cx="8398800" cy="2743829"/>
+            <a:off x="312056" y="1468727"/>
+            <a:ext cx="8148131" cy="2743829"/>
           </a:xfrm>
           <a:prstGeom prst="rect">
             <a:avLst/>
@@ -14552,6 +14565,31 @@
             <a:noAutofit/>
           </a:bodyPr>
           <a:lstStyle/>
+          <a:p>
+            <a:pPr marL="76200" indent="0">
+              <a:spcBef>
+                <a:spcPts val="1200"/>
+              </a:spcBef>
+              <a:buSzPct val="120000"/>
+              <a:buNone/>
+            </a:pPr>
+            <a:r>
+              <a:rPr lang="en-GB" sz="1400" b="1" noProof="1">
+                <a:solidFill>
+                  <a:srgbClr val="FF9800"/>
+                </a:solidFill>
+                <a:latin typeface="Roboto Condensed" panose="02000000000000000000" pitchFamily="2" charset="0"/>
+                <a:ea typeface="Roboto Condensed" panose="02000000000000000000" pitchFamily="2" charset="0"/>
+                <a:cs typeface="Arial"/>
+              </a:rPr>
+              <a:t>USER</a:t>
+            </a:r>
+            <a:endParaRPr lang="en-GB" sz="1500" noProof="1">
+              <a:latin typeface="Roboto Mono" pitchFamily="49" charset="0"/>
+              <a:ea typeface="Roboto Mono" pitchFamily="49" charset="0"/>
+              <a:cs typeface="Courier New" panose="02070309020205020404" pitchFamily="49" charset="0"/>
+            </a:endParaRPr>
+          </a:p>
           <a:p>
             <a:pPr>
               <a:spcBef>
@@ -15064,7 +15102,7 @@
             <a:pPr lvl="0"/>
             <a:r>
               <a:rPr lang="en" dirty="0"/>
-              <a:t>Views: administrator</a:t>
+              <a:t>Views</a:t>
             </a:r>
             <a:endParaRPr dirty="0"/>
           </a:p>
@@ -15130,8 +15168,8 @@
         </p:nvSpPr>
         <p:spPr>
           <a:xfrm>
-            <a:off x="61388" y="1268537"/>
-            <a:ext cx="8398800" cy="2944019"/>
+            <a:off x="312056" y="1268537"/>
+            <a:ext cx="8148131" cy="2944019"/>
           </a:xfrm>
           <a:prstGeom prst="rect">
             <a:avLst/>
@@ -15142,6 +15180,31 @@
             <a:noAutofit/>
           </a:bodyPr>
           <a:lstStyle/>
+          <a:p>
+            <a:pPr marL="76200" indent="0">
+              <a:spcBef>
+                <a:spcPts val="1200"/>
+              </a:spcBef>
+              <a:buSzPct val="120000"/>
+              <a:buNone/>
+            </a:pPr>
+            <a:r>
+              <a:rPr lang="en-GB" sz="1400" b="1" noProof="1">
+                <a:solidFill>
+                  <a:srgbClr val="FF9800"/>
+                </a:solidFill>
+                <a:latin typeface="Roboto Condensed" panose="02000000000000000000" pitchFamily="2" charset="0"/>
+                <a:ea typeface="Roboto Condensed" panose="02000000000000000000" pitchFamily="2" charset="0"/>
+                <a:cs typeface="Arial"/>
+              </a:rPr>
+              <a:t>ADMIN</a:t>
+            </a:r>
+            <a:endParaRPr lang="en-GB" sz="1500" noProof="1">
+              <a:latin typeface="Roboto Mono" pitchFamily="49" charset="0"/>
+              <a:ea typeface="Roboto Mono" pitchFamily="49" charset="0"/>
+              <a:cs typeface="Courier New" panose="02070309020205020404" pitchFamily="49" charset="0"/>
+            </a:endParaRPr>
+          </a:p>
           <a:p>
             <a:pPr>
               <a:spcBef>

--- a/DB2 Presentation.pptx
+++ b/DB2 Presentation.pptx
@@ -10921,8 +10921,8 @@
         </p:nvSpPr>
         <p:spPr>
           <a:xfrm>
-            <a:off x="252853" y="1662328"/>
-            <a:ext cx="8398800" cy="2229376"/>
+            <a:off x="261205" y="1662328"/>
+            <a:ext cx="8390447" cy="2229376"/>
           </a:xfrm>
           <a:prstGeom prst="rect">
             <a:avLst/>
@@ -12090,8 +12090,8 @@
         </p:nvSpPr>
         <p:spPr>
           <a:xfrm>
-            <a:off x="61388" y="1468727"/>
-            <a:ext cx="8398800" cy="3419866"/>
+            <a:off x="261206" y="1468727"/>
+            <a:ext cx="8198982" cy="3419866"/>
           </a:xfrm>
           <a:prstGeom prst="rect">
             <a:avLst/>
@@ -13299,8 +13299,8 @@
         </p:nvSpPr>
         <p:spPr>
           <a:xfrm>
-            <a:off x="61388" y="1268537"/>
-            <a:ext cx="8398800" cy="3768248"/>
+            <a:off x="261206" y="1268537"/>
+            <a:ext cx="8198982" cy="3768248"/>
           </a:xfrm>
           <a:prstGeom prst="rect">
             <a:avLst/>

--- a/DB2 Presentation.pptx
+++ b/DB2 Presentation.pptx
@@ -7497,7 +7497,7 @@
                 <a:cs typeface="Calibri"/>
                 <a:sym typeface="Calibri"/>
               </a:rPr>
-              <a:t>Review</a:t>
+              <a:t>Product</a:t>
             </a:r>
             <a:endParaRPr dirty="0">
               <a:solidFill>
